--- a/Work Space/Presentation/Eagle7 Presentation.pptx
+++ b/Work Space/Presentation/Eagle7 Presentation.pptx
@@ -121,6 +121,11 @@
       </a:defRPr>
     </a:lvl9pPr>
   </p:defaultTextStyle>
+  <p:extLst>
+    <p:ext uri="{EFAFB233-063F-42B5-8137-9DF3F51BA10A}">
+      <p15:sldGuideLst xmlns:p15="http://schemas.microsoft.com/office/powerpoint/2012/main"/>
+    </p:ext>
+  </p:extLst>
 </p:presentation>
 </file>
 
@@ -4880,7 +4885,6 @@
               <a:rPr lang="fr-FR" dirty="0"/>
               <a:t>commerciales et apporte une valeur élevée aux clients et aux employés.</a:t>
             </a:r>
-            <a:endParaRPr lang="fr-FR" dirty="0"/>
           </a:p>
         </p:txBody>
       </p:sp>
@@ -5080,7 +5084,6 @@
               <a:rPr lang="fr-FR" dirty="0"/>
               <a:t>et matériel, en entrée comme en sortie, des stocks et du transport des produits. </a:t>
             </a:r>
-            <a:endParaRPr lang="fr-FR" dirty="0"/>
           </a:p>
         </p:txBody>
       </p:sp>
@@ -5335,7 +5338,6 @@
               <a:rPr lang="fr-FR" dirty="0"/>
               <a:t>dédiés à la gestion d’une entreprise. </a:t>
             </a:r>
-            <a:endParaRPr lang="fr-FR" dirty="0"/>
           </a:p>
         </p:txBody>
       </p:sp>

--- a/Work Space/Presentation/Eagle7 Presentation.pptx
+++ b/Work Space/Presentation/Eagle7 Presentation.pptx
@@ -356,7 +356,7 @@
             <a:fld id="{B61BEF0D-F0BB-DE4B-95CE-6DB70DBA9567}" type="datetimeFigureOut">
               <a:rPr lang="en-US" smtClean="0"/>
               <a:pPr/>
-              <a:t>8/14/2021</a:t>
+              <a:t>8/15/2021</a:t>
             </a:fld>
             <a:endParaRPr lang="en-US" dirty="0"/>
           </a:p>
@@ -566,7 +566,7 @@
             <a:fld id="{B61BEF0D-F0BB-DE4B-95CE-6DB70DBA9567}" type="datetimeFigureOut">
               <a:rPr lang="en-US" smtClean="0"/>
               <a:pPr/>
-              <a:t>8/14/2021</a:t>
+              <a:t>8/15/2021</a:t>
             </a:fld>
             <a:endParaRPr lang="en-US" dirty="0"/>
           </a:p>
@@ -824,7 +824,7 @@
             <a:fld id="{B61BEF0D-F0BB-DE4B-95CE-6DB70DBA9567}" type="datetimeFigureOut">
               <a:rPr lang="en-US" smtClean="0"/>
               <a:pPr/>
-              <a:t>8/14/2021</a:t>
+              <a:t>8/15/2021</a:t>
             </a:fld>
             <a:endParaRPr lang="en-US" dirty="0"/>
           </a:p>
@@ -1000,7 +1000,7 @@
             <a:fld id="{B61BEF0D-F0BB-DE4B-95CE-6DB70DBA9567}" type="datetimeFigureOut">
               <a:rPr lang="en-US" smtClean="0"/>
               <a:pPr/>
-              <a:t>8/14/2021</a:t>
+              <a:t>8/15/2021</a:t>
             </a:fld>
             <a:endParaRPr lang="en-US" dirty="0"/>
           </a:p>
@@ -1345,7 +1345,7 @@
             <a:fld id="{B61BEF0D-F0BB-DE4B-95CE-6DB70DBA9567}" type="datetimeFigureOut">
               <a:rPr lang="en-US" smtClean="0"/>
               <a:pPr/>
-              <a:t>8/14/2021</a:t>
+              <a:t>8/15/2021</a:t>
             </a:fld>
             <a:endParaRPr lang="en-US" dirty="0"/>
           </a:p>
@@ -1622,7 +1622,7 @@
             <a:fld id="{B61BEF0D-F0BB-DE4B-95CE-6DB70DBA9567}" type="datetimeFigureOut">
               <a:rPr lang="en-US" smtClean="0"/>
               <a:pPr/>
-              <a:t>8/14/2021</a:t>
+              <a:t>8/15/2021</a:t>
             </a:fld>
             <a:endParaRPr lang="en-US" dirty="0"/>
           </a:p>
@@ -2003,7 +2003,7 @@
             <a:fld id="{B61BEF0D-F0BB-DE4B-95CE-6DB70DBA9567}" type="datetimeFigureOut">
               <a:rPr lang="en-US" smtClean="0"/>
               <a:pPr/>
-              <a:t>8/14/2021</a:t>
+              <a:t>8/15/2021</a:t>
             </a:fld>
             <a:endParaRPr lang="en-US" dirty="0"/>
           </a:p>
@@ -2123,7 +2123,7 @@
             <a:fld id="{B61BEF0D-F0BB-DE4B-95CE-6DB70DBA9567}" type="datetimeFigureOut">
               <a:rPr lang="en-US" smtClean="0"/>
               <a:pPr/>
-              <a:t>8/14/2021</a:t>
+              <a:t>8/15/2021</a:t>
             </a:fld>
             <a:endParaRPr lang="en-US" dirty="0"/>
           </a:p>
@@ -2296,7 +2296,7 @@
             <a:fld id="{B61BEF0D-F0BB-DE4B-95CE-6DB70DBA9567}" type="datetimeFigureOut">
               <a:rPr lang="en-US" smtClean="0"/>
               <a:pPr/>
-              <a:t>8/14/2021</a:t>
+              <a:t>8/15/2021</a:t>
             </a:fld>
             <a:endParaRPr lang="en-US" dirty="0"/>
           </a:p>
@@ -2652,7 +2652,7 @@
             <a:fld id="{B61BEF0D-F0BB-DE4B-95CE-6DB70DBA9567}" type="datetimeFigureOut">
               <a:rPr lang="en-US" smtClean="0"/>
               <a:pPr/>
-              <a:t>8/14/2021</a:t>
+              <a:t>8/15/2021</a:t>
             </a:fld>
             <a:endParaRPr lang="en-US" dirty="0"/>
           </a:p>
@@ -3036,7 +3036,7 @@
             <a:fld id="{B61BEF0D-F0BB-DE4B-95CE-6DB70DBA9567}" type="datetimeFigureOut">
               <a:rPr lang="en-US" smtClean="0"/>
               <a:pPr/>
-              <a:t>8/14/2021</a:t>
+              <a:t>8/15/2021</a:t>
             </a:fld>
             <a:endParaRPr lang="en-US" dirty="0"/>
           </a:p>
@@ -3325,7 +3325,7 @@
             <a:fld id="{B61BEF0D-F0BB-DE4B-95CE-6DB70DBA9567}" type="datetimeFigureOut">
               <a:rPr lang="en-US" smtClean="0"/>
               <a:pPr/>
-              <a:t>8/14/2021</a:t>
+              <a:t>8/15/2021</a:t>
             </a:fld>
             <a:endParaRPr lang="en-US" dirty="0"/>
           </a:p>
@@ -4064,25 +4064,35 @@
           </a:p>
         </p:txBody>
       </p:sp>
-      <p:sp>
-        <p:nvSpPr>
-          <p:cNvPr id="3" name="Espace réservé du contenu 2"/>
-          <p:cNvSpPr>
-            <a:spLocks noGrp="1"/>
-          </p:cNvSpPr>
+      <p:pic>
+        <p:nvPicPr>
+          <p:cNvPr id="5" name="Espace réservé du contenu 4"/>
+          <p:cNvPicPr>
+            <a:picLocks noGrp="1" noChangeAspect="1"/>
+          </p:cNvPicPr>
           <p:nvPr>
             <p:ph idx="1"/>
           </p:nvPr>
-        </p:nvSpPr>
-        <p:spPr/>
-        <p:txBody>
-          <a:bodyPr/>
-          <a:lstStyle/>
-          <a:p>
-            <a:endParaRPr lang="fr-FR" dirty="0"/>
-          </a:p>
-        </p:txBody>
-      </p:sp>
+        </p:nvPicPr>
+        <p:blipFill>
+          <a:blip r:embed="rId2">
+            <a:extLst>
+              <a:ext uri="{28A0092B-C50C-407E-A947-70E740481C1C}">
+                <a14:useLocalDpi xmlns:a14="http://schemas.microsoft.com/office/drawing/2010/main" val="0"/>
+              </a:ext>
+            </a:extLst>
+          </a:blip>
+          <a:stretch>
+            <a:fillRect/>
+          </a:stretch>
+        </p:blipFill>
+        <p:spPr>
+          <a:xfrm>
+            <a:off x="1097280" y="1846263"/>
+            <a:ext cx="10058400" cy="4022725"/>
+          </a:xfrm>
+        </p:spPr>
+      </p:pic>
     </p:spTree>
     <p:extLst>
       <p:ext uri="{BB962C8B-B14F-4D97-AF65-F5344CB8AC3E}">
@@ -4136,25 +4146,35 @@
           </a:p>
         </p:txBody>
       </p:sp>
-      <p:sp>
-        <p:nvSpPr>
-          <p:cNvPr id="3" name="Espace réservé du contenu 2"/>
-          <p:cNvSpPr>
-            <a:spLocks noGrp="1"/>
-          </p:cNvSpPr>
+      <p:pic>
+        <p:nvPicPr>
+          <p:cNvPr id="4" name="Espace réservé du contenu 3"/>
+          <p:cNvPicPr>
+            <a:picLocks noGrp="1" noChangeAspect="1"/>
+          </p:cNvPicPr>
           <p:nvPr>
             <p:ph idx="1"/>
           </p:nvPr>
-        </p:nvSpPr>
-        <p:spPr/>
-        <p:txBody>
-          <a:bodyPr/>
-          <a:lstStyle/>
-          <a:p>
-            <a:endParaRPr lang="fr-FR"/>
-          </a:p>
-        </p:txBody>
-      </p:sp>
+        </p:nvPicPr>
+        <p:blipFill>
+          <a:blip r:embed="rId2">
+            <a:extLst>
+              <a:ext uri="{28A0092B-C50C-407E-A947-70E740481C1C}">
+                <a14:useLocalDpi xmlns:a14="http://schemas.microsoft.com/office/drawing/2010/main" val="0"/>
+              </a:ext>
+            </a:extLst>
+          </a:blip>
+          <a:stretch>
+            <a:fillRect/>
+          </a:stretch>
+        </p:blipFill>
+        <p:spPr>
+          <a:xfrm>
+            <a:off x="1097280" y="1846263"/>
+            <a:ext cx="10058400" cy="4022725"/>
+          </a:xfrm>
+        </p:spPr>
+      </p:pic>
     </p:spTree>
     <p:extLst>
       <p:ext uri="{BB962C8B-B14F-4D97-AF65-F5344CB8AC3E}">
@@ -4208,25 +4228,35 @@
           </a:p>
         </p:txBody>
       </p:sp>
-      <p:sp>
-        <p:nvSpPr>
-          <p:cNvPr id="3" name="Espace réservé du contenu 2"/>
-          <p:cNvSpPr>
-            <a:spLocks noGrp="1"/>
-          </p:cNvSpPr>
+      <p:pic>
+        <p:nvPicPr>
+          <p:cNvPr id="4" name="Espace réservé du contenu 3"/>
+          <p:cNvPicPr>
+            <a:picLocks noGrp="1" noChangeAspect="1"/>
+          </p:cNvPicPr>
           <p:nvPr>
             <p:ph idx="1"/>
           </p:nvPr>
-        </p:nvSpPr>
-        <p:spPr/>
-        <p:txBody>
-          <a:bodyPr/>
-          <a:lstStyle/>
-          <a:p>
-            <a:endParaRPr lang="fr-FR"/>
-          </a:p>
-        </p:txBody>
-      </p:sp>
+        </p:nvPicPr>
+        <p:blipFill>
+          <a:blip r:embed="rId2">
+            <a:extLst>
+              <a:ext uri="{28A0092B-C50C-407E-A947-70E740481C1C}">
+                <a14:useLocalDpi xmlns:a14="http://schemas.microsoft.com/office/drawing/2010/main" val="0"/>
+              </a:ext>
+            </a:extLst>
+          </a:blip>
+          <a:stretch>
+            <a:fillRect/>
+          </a:stretch>
+        </p:blipFill>
+        <p:spPr>
+          <a:xfrm>
+            <a:off x="1097280" y="1846263"/>
+            <a:ext cx="10058400" cy="4022725"/>
+          </a:xfrm>
+        </p:spPr>
+      </p:pic>
     </p:spTree>
     <p:extLst>
       <p:ext uri="{BB962C8B-B14F-4D97-AF65-F5344CB8AC3E}">
